--- a/Resources/ReportTemplate.pptx
+++ b/Resources/ReportTemplate.pptx
@@ -104,6 +104,11 @@
       </a:defRPr>
     </a:lvl9pPr>
   </p:defaultTextStyle>
+  <p:extLst>
+    <p:ext uri="{EFAFB233-063F-42B5-8137-9DF3F51BA10A}">
+      <p15:sldGuideLst xmlns:p15="http://schemas.microsoft.com/office/powerpoint/2012/main"/>
+    </p:ext>
+  </p:extLst>
 </p:presentation>
 </file>
 
@@ -126,7 +131,7 @@
       </p:grpSpPr>
       <p:sp>
         <p:nvSpPr>
-          <p:cNvPr id="2" name="Title 1">
+          <p:cNvPr id="2" name="Title">
             <a:extLst>
               <a:ext uri="{FF2B5EF4-FFF2-40B4-BE49-F238E27FC236}">
                 <a16:creationId xmlns:a16="http://schemas.microsoft.com/office/drawing/2014/main" id="{B9187777-7C35-3326-B51B-185EE2EDCCFB}"/>
@@ -163,7 +168,7 @@
       </p:sp>
       <p:sp>
         <p:nvSpPr>
-          <p:cNvPr id="3" name="Subtitle 2">
+          <p:cNvPr id="3" name="SubTitle">
             <a:extLst>
               <a:ext uri="{FF2B5EF4-FFF2-40B4-BE49-F238E27FC236}">
                 <a16:creationId xmlns:a16="http://schemas.microsoft.com/office/drawing/2014/main" id="{4214034F-C43F-1FE7-A8CE-72070B4BC947}"/>
@@ -233,7 +238,7 @@
       </p:sp>
       <p:sp>
         <p:nvSpPr>
-          <p:cNvPr id="4" name="Date Placeholder 3">
+          <p:cNvPr id="4" name="Date">
             <a:extLst>
               <a:ext uri="{FF2B5EF4-FFF2-40B4-BE49-F238E27FC236}">
                 <a16:creationId xmlns:a16="http://schemas.microsoft.com/office/drawing/2014/main" id="{7F53506F-61A6-ED5F-D44B-279F83374EF6}"/>
@@ -247,68 +252,19 @@
             <p:ph type="dt" sz="half" idx="10"/>
           </p:nvPr>
         </p:nvSpPr>
-        <p:spPr/>
+        <p:spPr>
+          <a:xfrm>
+            <a:off x="4724400" y="6492875"/>
+            <a:ext cx="2743200" cy="365125"/>
+          </a:xfrm>
+        </p:spPr>
         <p:txBody>
           <a:bodyPr/>
           <a:lstStyle/>
           <a:p>
             <a:fld id="{DB37E59F-BAFA-754B-A498-128C89575A97}" type="datetimeFigureOut">
               <a:rPr lang="en-US" smtClean="0"/>
-              <a:t>6/12/24</a:t>
-            </a:fld>
-            <a:endParaRPr lang="en-US"/>
-          </a:p>
-        </p:txBody>
-      </p:sp>
-      <p:sp>
-        <p:nvSpPr>
-          <p:cNvPr id="5" name="Footer Placeholder 4">
-            <a:extLst>
-              <a:ext uri="{FF2B5EF4-FFF2-40B4-BE49-F238E27FC236}">
-                <a16:creationId xmlns:a16="http://schemas.microsoft.com/office/drawing/2014/main" id="{A8CA6F1E-3377-59E6-800B-A44820726056}"/>
-              </a:ext>
-            </a:extLst>
-          </p:cNvPr>
-          <p:cNvSpPr>
-            <a:spLocks noGrp="1"/>
-          </p:cNvSpPr>
-          <p:nvPr>
-            <p:ph type="ftr" sz="quarter" idx="11"/>
-          </p:nvPr>
-        </p:nvSpPr>
-        <p:spPr/>
-        <p:txBody>
-          <a:bodyPr/>
-          <a:lstStyle/>
-          <a:p>
-            <a:endParaRPr lang="en-US"/>
-          </a:p>
-        </p:txBody>
-      </p:sp>
-      <p:sp>
-        <p:nvSpPr>
-          <p:cNvPr id="6" name="Slide Number Placeholder 5">
-            <a:extLst>
-              <a:ext uri="{FF2B5EF4-FFF2-40B4-BE49-F238E27FC236}">
-                <a16:creationId xmlns:a16="http://schemas.microsoft.com/office/drawing/2014/main" id="{3D5A53FA-F667-56A1-61F6-5D36C64035D4}"/>
-              </a:ext>
-            </a:extLst>
-          </p:cNvPr>
-          <p:cNvSpPr>
-            <a:spLocks noGrp="1"/>
-          </p:cNvSpPr>
-          <p:nvPr>
-            <p:ph type="sldNum" sz="quarter" idx="12"/>
-          </p:nvPr>
-        </p:nvSpPr>
-        <p:spPr/>
-        <p:txBody>
-          <a:bodyPr/>
-          <a:lstStyle/>
-          <a:p>
-            <a:fld id="{CC614CB6-BF5B-2D4D-9F21-E6AA620F090B}" type="slidenum">
-              <a:rPr lang="en-US" smtClean="0"/>
-              <a:t>‹#›</a:t>
+              <a:t>9/25/25</a:t>
             </a:fld>
             <a:endParaRPr lang="en-US"/>
           </a:p>
@@ -346,7 +302,7 @@
       </p:grpSpPr>
       <p:sp>
         <p:nvSpPr>
-          <p:cNvPr id="7" name="Picture Placeholder 6">
+          <p:cNvPr id="7" name="SmallTopImage">
             <a:extLst>
               <a:ext uri="{FF2B5EF4-FFF2-40B4-BE49-F238E27FC236}">
                 <a16:creationId xmlns:a16="http://schemas.microsoft.com/office/drawing/2014/main" id="{7C29DB23-56AF-B788-00E4-13ACBC3638E9}"/>
@@ -370,13 +326,13 @@
           <a:bodyPr/>
           <a:lstStyle/>
           <a:p>
-            <a:endParaRPr lang="en-US"/>
+            <a:endParaRPr lang="en-US" dirty="0"/>
           </a:p>
         </p:txBody>
       </p:sp>
       <p:sp>
         <p:nvSpPr>
-          <p:cNvPr id="10" name="Picture Placeholder 9">
+          <p:cNvPr id="10" name="MainImage">
             <a:extLst>
               <a:ext uri="{FF2B5EF4-FFF2-40B4-BE49-F238E27FC236}">
                 <a16:creationId xmlns:a16="http://schemas.microsoft.com/office/drawing/2014/main" id="{8BA4F913-9ECE-8DE8-3626-FFBC73B8BE29}"/>
@@ -406,7 +362,7 @@
       </p:sp>
       <p:sp>
         <p:nvSpPr>
-          <p:cNvPr id="2" name="Picture Placeholder 6">
+          <p:cNvPr id="2" name="SmallBottomImage">
             <a:extLst>
               <a:ext uri="{FF2B5EF4-FFF2-40B4-BE49-F238E27FC236}">
                 <a16:creationId xmlns:a16="http://schemas.microsoft.com/office/drawing/2014/main" id="{00BA670D-032E-E1D0-B8BA-3838E3CEC42E}"/>
@@ -466,7 +422,7 @@
       </p:grpSpPr>
       <p:sp>
         <p:nvSpPr>
-          <p:cNvPr id="7" name="Picture Placeholder 6">
+          <p:cNvPr id="7" name="LeftImage">
             <a:extLst>
               <a:ext uri="{FF2B5EF4-FFF2-40B4-BE49-F238E27FC236}">
                 <a16:creationId xmlns:a16="http://schemas.microsoft.com/office/drawing/2014/main" id="{7C29DB23-56AF-B788-00E4-13ACBC3638E9}"/>
@@ -496,7 +452,7 @@
       </p:sp>
       <p:sp>
         <p:nvSpPr>
-          <p:cNvPr id="10" name="Picture Placeholder 9">
+          <p:cNvPr id="10" name="RightImage">
             <a:extLst>
               <a:ext uri="{FF2B5EF4-FFF2-40B4-BE49-F238E27FC236}">
                 <a16:creationId xmlns:a16="http://schemas.microsoft.com/office/drawing/2014/main" id="{8BA4F913-9ECE-8DE8-3626-FFBC73B8BE29}"/>
@@ -556,7 +512,7 @@
       </p:grpSpPr>
       <p:sp>
         <p:nvSpPr>
-          <p:cNvPr id="7" name="Picture Placeholder 6">
+          <p:cNvPr id="7" name="MainImage">
             <a:extLst>
               <a:ext uri="{FF2B5EF4-FFF2-40B4-BE49-F238E27FC236}">
                 <a16:creationId xmlns:a16="http://schemas.microsoft.com/office/drawing/2014/main" id="{08DC9FF7-161D-E08A-F958-B23F8D443CE1}"/>
@@ -765,7 +721,7 @@
           <a:p>
             <a:fld id="{DB37E59F-BAFA-754B-A498-128C89575A97}" type="datetimeFigureOut">
               <a:rPr lang="en-US" smtClean="0"/>
-              <a:t>6/12/24</a:t>
+              <a:t>9/25/25</a:t>
             </a:fld>
             <a:endParaRPr lang="en-US"/>
           </a:p>
